--- a/course-blockchain/备课/4-初等数论-同余运算的定义和性质/同余的定义和性质.pptx
+++ b/course-blockchain/备课/4-初等数论-同余运算的定义和性质/同余的定义和性质.pptx
@@ -16811,7 +16811,16 @@
                 <a:cs typeface="+mn-cs"/>
                 <a:sym typeface="+mn-ea"/>
               </a:rPr>
-              <a:t>是非零整数，</a:t>
+              <a:t>是</a:t>
+            </a:r>
+            <a:r>
+              <a:rPr kumimoji="0" lang="zh-CN" altLang="en-US" sz="2400" kern="1200" cap="none" spc="0" normalizeH="0" baseline="0" noProof="1">
+                <a:latin typeface="微软雅黑" panose="020B0503020204020204" pitchFamily="34" charset="-122"/>
+                <a:ea typeface="微软雅黑" panose="020B0503020204020204" pitchFamily="34" charset="-122"/>
+                <a:cs typeface="+mn-cs"/>
+                <a:sym typeface="+mn-ea"/>
+              </a:rPr>
+              <a:t>自然数，</a:t>
             </a:r>
             <a:r>
               <a:rPr kumimoji="0" lang="zh-CN" altLang="en-US" sz="2400" kern="1200" cap="none" spc="0" normalizeH="0" baseline="0" noProof="1">

--- a/course-blockchain/备课/4-初等数论-同余运算的定义和性质/同余的定义和性质.pptx
+++ b/course-blockchain/备课/4-初等数论-同余运算的定义和性质/同余的定义和性质.pptx
@@ -14,7 +14,9 @@
     <p:sldId id="257" r:id="rId6"/>
     <p:sldId id="443" r:id="rId8"/>
     <p:sldId id="494" r:id="rId9"/>
-    <p:sldId id="276" r:id="rId10"/>
+    <p:sldId id="496" r:id="rId10"/>
+    <p:sldId id="497" r:id="rId11"/>
+    <p:sldId id="276" r:id="rId12"/>
   </p:sldIdLst>
   <p:sldSz cx="12192000" cy="6858000"/>
   <p:notesSz cx="6858000" cy="9144000"/>
@@ -993,6 +995,112 @@
 </file>
 
 <file path=ppt/notesSlides/notesSlide3.xml><?xml version="1.0" encoding="utf-8"?>
+<p:notes xmlns:a="http://schemas.openxmlformats.org/drawingml/2006/main" xmlns:r="http://schemas.openxmlformats.org/officeDocument/2006/relationships" xmlns:p="http://schemas.openxmlformats.org/presentationml/2006/main">
+  <p:cSld>
+    <p:spTree>
+      <p:nvGrpSpPr>
+        <p:cNvPr id="1" name=""/>
+        <p:cNvGrpSpPr/>
+        <p:nvPr/>
+      </p:nvGrpSpPr>
+      <p:grpSpPr/>
+      <p:sp>
+        <p:nvSpPr>
+          <p:cNvPr id="12289" name="幻灯片图像占位符 1"/>
+          <p:cNvSpPr>
+            <a:spLocks noGrp="1" noRot="1" noTextEdit="1"/>
+          </p:cNvSpPr>
+          <p:nvPr>
+            <p:ph type="sldImg"/>
+          </p:nvPr>
+        </p:nvSpPr>
+        <p:spPr>
+          <a:ln>
+            <a:miter/>
+          </a:ln>
+        </p:spPr>
+      </p:sp>
+      <p:sp>
+        <p:nvSpPr>
+          <p:cNvPr id="12290" name="文本占位符 2"/>
+          <p:cNvSpPr>
+            <a:spLocks noGrp="1"/>
+          </p:cNvSpPr>
+          <p:nvPr>
+            <p:ph type="body"/>
+          </p:nvPr>
+        </p:nvSpPr>
+        <p:spPr/>
+        <p:txBody>
+          <a:bodyPr wrap="square" lIns="98166" tIns="48253" rIns="98166" bIns="48253" anchor="ctr" anchorCtr="0"/>
+          <a:p>
+            <a:pPr lvl="0" eaLnBrk="1" hangingPunct="1"/>
+            <a:endParaRPr lang="zh-CN" altLang="en-US" dirty="0"/>
+          </a:p>
+        </p:txBody>
+      </p:sp>
+    </p:spTree>
+  </p:cSld>
+  <p:clrMapOvr>
+    <a:masterClrMapping/>
+  </p:clrMapOvr>
+</p:notes>
+</file>
+
+<file path=ppt/notesSlides/notesSlide4.xml><?xml version="1.0" encoding="utf-8"?>
+<p:notes xmlns:a="http://schemas.openxmlformats.org/drawingml/2006/main" xmlns:r="http://schemas.openxmlformats.org/officeDocument/2006/relationships" xmlns:p="http://schemas.openxmlformats.org/presentationml/2006/main">
+  <p:cSld>
+    <p:spTree>
+      <p:nvGrpSpPr>
+        <p:cNvPr id="1" name=""/>
+        <p:cNvGrpSpPr/>
+        <p:nvPr/>
+      </p:nvGrpSpPr>
+      <p:grpSpPr/>
+      <p:sp>
+        <p:nvSpPr>
+          <p:cNvPr id="12289" name="幻灯片图像占位符 1"/>
+          <p:cNvSpPr>
+            <a:spLocks noGrp="1" noRot="1" noTextEdit="1"/>
+          </p:cNvSpPr>
+          <p:nvPr>
+            <p:ph type="sldImg"/>
+          </p:nvPr>
+        </p:nvSpPr>
+        <p:spPr>
+          <a:ln>
+            <a:miter/>
+          </a:ln>
+        </p:spPr>
+      </p:sp>
+      <p:sp>
+        <p:nvSpPr>
+          <p:cNvPr id="12290" name="文本占位符 2"/>
+          <p:cNvSpPr>
+            <a:spLocks noGrp="1"/>
+          </p:cNvSpPr>
+          <p:nvPr>
+            <p:ph type="body"/>
+          </p:nvPr>
+        </p:nvSpPr>
+        <p:spPr/>
+        <p:txBody>
+          <a:bodyPr wrap="square" lIns="98166" tIns="48253" rIns="98166" bIns="48253" anchor="ctr" anchorCtr="0"/>
+          <a:p>
+            <a:pPr lvl="0" eaLnBrk="1" hangingPunct="1"/>
+            <a:endParaRPr lang="zh-CN" altLang="en-US" dirty="0"/>
+          </a:p>
+        </p:txBody>
+      </p:sp>
+    </p:spTree>
+  </p:cSld>
+  <p:clrMapOvr>
+    <a:masterClrMapping/>
+  </p:clrMapOvr>
+</p:notes>
+</file>
+
+<file path=ppt/notesSlides/notesSlide5.xml><?xml version="1.0" encoding="utf-8"?>
 <p:notes xmlns:a="http://schemas.openxmlformats.org/drawingml/2006/main" xmlns:r="http://schemas.openxmlformats.org/officeDocument/2006/relationships" xmlns:p="http://schemas.openxmlformats.org/presentationml/2006/main">
   <p:cSld>
     <p:spTree>
@@ -16701,8 +16809,8 @@
         </p:nvSpPr>
         <p:spPr>
           <a:xfrm>
-            <a:off x="584835" y="2693668"/>
-            <a:ext cx="10832465" cy="3415030"/>
+            <a:off x="584835" y="2693670"/>
+            <a:ext cx="4842510" cy="3415030"/>
           </a:xfrm>
           <a:prstGeom prst="rect">
             <a:avLst/>
@@ -16713,7 +16821,7 @@
           </a:ln>
         </p:spPr>
         <p:txBody>
-          <a:bodyPr>
+          <a:bodyPr wrap="square">
             <a:spAutoFit/>
             <a:scene3d>
               <a:camera prst="orthographicFront"/>
@@ -16856,7 +16964,7 @@
                 <a:cs typeface="+mn-cs"/>
                 <a:sym typeface="+mn-ea"/>
               </a:rPr>
-              <a:t>	a=b </a:t>
+              <a:t>	a≡b </a:t>
             </a:r>
             <a:r>
               <a:rPr kumimoji="0" lang="zh-CN" altLang="en-US" sz="2400" kern="1200" cap="none" spc="0" normalizeH="0" baseline="0" noProof="1">
@@ -17270,8 +17378,8 @@
         </p:nvSpPr>
         <p:spPr>
           <a:xfrm>
-            <a:off x="584835" y="2693668"/>
-            <a:ext cx="10832465" cy="1753235"/>
+            <a:off x="584835" y="2693670"/>
+            <a:ext cx="7567930" cy="1753235"/>
           </a:xfrm>
           <a:prstGeom prst="rect">
             <a:avLst/>
@@ -17282,7 +17390,7 @@
           </a:ln>
         </p:spPr>
         <p:txBody>
-          <a:bodyPr>
+          <a:bodyPr wrap="square">
             <a:spAutoFit/>
             <a:scene3d>
               <a:camera prst="orthographicFront"/>
@@ -17302,18 +17410,49 @@
               <a:defRPr/>
             </a:pPr>
             <a:r>
-              <a:rPr kumimoji="0" lang="zh-CN" altLang="en-US" sz="2400" kern="1200" cap="none" spc="0" normalizeH="0" baseline="0" noProof="1">
+              <a:rPr kumimoji="0" lang="en-US" sz="2400" kern="1200" cap="none" spc="0" normalizeH="0" baseline="0" noProof="1">
                 <a:latin typeface="微软雅黑" panose="020B0503020204020204" pitchFamily="34" charset="-122"/>
                 <a:ea typeface="微软雅黑" panose="020B0503020204020204" pitchFamily="34" charset="-122"/>
                 <a:cs typeface="+mn-cs"/>
                 <a:sym typeface="+mn-ea"/>
               </a:rPr>
-              <a:t>需要注意的问题</a:t>
-            </a:r>
-            <a:endParaRPr kumimoji="0" lang="en-US" sz="2400" kern="1200" cap="none" spc="0" normalizeH="0" baseline="0" noProof="1">
+              <a:t>17</a:t>
+            </a:r>
+            <a:r>
+              <a:rPr lang="en-US" altLang="zh-CN" sz="2400">
+                <a:latin typeface="微软雅黑" panose="020B0503020204020204" pitchFamily="34" charset="-122"/>
+                <a:ea typeface="微软雅黑" panose="020B0503020204020204" pitchFamily="34" charset="-122"/>
+                <a:sym typeface="+mn-ea"/>
+              </a:rPr>
+              <a:t>≡3 </a:t>
+            </a:r>
+            <a:r>
+              <a:rPr lang="zh-CN" altLang="en-US" sz="2400">
+                <a:latin typeface="微软雅黑" panose="020B0503020204020204" pitchFamily="34" charset="-122"/>
+                <a:ea typeface="微软雅黑" panose="020B0503020204020204" pitchFamily="34" charset="-122"/>
+                <a:sym typeface="+mn-ea"/>
+              </a:rPr>
+              <a:t>（</a:t>
+            </a:r>
+            <a:r>
+              <a:rPr lang="en-US" altLang="zh-CN" sz="2400">
+                <a:latin typeface="微软雅黑" panose="020B0503020204020204" pitchFamily="34" charset="-122"/>
+                <a:ea typeface="微软雅黑" panose="020B0503020204020204" pitchFamily="34" charset="-122"/>
+                <a:sym typeface="+mn-ea"/>
+              </a:rPr>
+              <a:t>mod 7</a:t>
+            </a:r>
+            <a:r>
+              <a:rPr lang="zh-CN" altLang="en-US" sz="2400">
+                <a:latin typeface="微软雅黑" panose="020B0503020204020204" pitchFamily="34" charset="-122"/>
+                <a:ea typeface="微软雅黑" panose="020B0503020204020204" pitchFamily="34" charset="-122"/>
+                <a:sym typeface="+mn-ea"/>
+              </a:rPr>
+              <a:t>）</a:t>
+            </a:r>
+            <a:endParaRPr lang="zh-CN" altLang="en-US" sz="2400">
               <a:latin typeface="微软雅黑" panose="020B0503020204020204" pitchFamily="34" charset="-122"/>
               <a:ea typeface="微软雅黑" panose="020B0503020204020204" pitchFamily="34" charset="-122"/>
-              <a:cs typeface="+mn-cs"/>
               <a:sym typeface="+mn-ea"/>
             </a:endParaRPr>
           </a:p>
@@ -17329,54 +17468,40 @@
               <a:defRPr/>
             </a:pPr>
             <a:r>
-              <a:rPr kumimoji="0" lang="en-US" sz="2400" kern="1200" cap="none" spc="0" normalizeH="0" baseline="0" noProof="1">
+              <a:rPr lang="en-US" altLang="zh-CN" sz="2400">
                 <a:latin typeface="微软雅黑" panose="020B0503020204020204" pitchFamily="34" charset="-122"/>
                 <a:ea typeface="微软雅黑" panose="020B0503020204020204" pitchFamily="34" charset="-122"/>
-                <a:cs typeface="+mn-cs"/>
                 <a:sym typeface="+mn-ea"/>
               </a:rPr>
-              <a:t>1. </a:t>
-            </a:r>
-            <a:r>
-              <a:rPr kumimoji="0" lang="zh-CN" altLang="en-US" sz="2400" kern="1200" cap="none" spc="0" normalizeH="0" baseline="0" noProof="1">
+              <a:t>24≡6 </a:t>
+            </a:r>
+            <a:r>
+              <a:rPr lang="zh-CN" altLang="en-US" sz="2400">
                 <a:latin typeface="微软雅黑" panose="020B0503020204020204" pitchFamily="34" charset="-122"/>
                 <a:ea typeface="微软雅黑" panose="020B0503020204020204" pitchFamily="34" charset="-122"/>
-                <a:cs typeface="+mn-cs"/>
                 <a:sym typeface="+mn-ea"/>
               </a:rPr>
-              <a:t>注意讲解合约的</a:t>
-            </a:r>
-            <a:r>
-              <a:rPr kumimoji="0" lang="en-US" altLang="zh-CN" sz="2400" kern="1200" cap="none" spc="0" normalizeH="0" baseline="0" noProof="1">
+              <a:t>（</a:t>
+            </a:r>
+            <a:r>
+              <a:rPr lang="en-US" altLang="zh-CN" sz="2400">
                 <a:latin typeface="微软雅黑" panose="020B0503020204020204" pitchFamily="34" charset="-122"/>
                 <a:ea typeface="微软雅黑" panose="020B0503020204020204" pitchFamily="34" charset="-122"/>
-                <a:cs typeface="+mn-cs"/>
                 <a:sym typeface="+mn-ea"/>
               </a:rPr>
-              <a:t>owner</a:t>
-            </a:r>
-            <a:r>
-              <a:rPr kumimoji="0" lang="zh-CN" altLang="en-US" sz="2400" kern="1200" cap="none" spc="0" normalizeH="0" baseline="0" noProof="1">
+              <a:t>mod 9</a:t>
+            </a:r>
+            <a:r>
+              <a:rPr lang="zh-CN" altLang="en-US" sz="2400">
                 <a:latin typeface="微软雅黑" panose="020B0503020204020204" pitchFamily="34" charset="-122"/>
                 <a:ea typeface="微软雅黑" panose="020B0503020204020204" pitchFamily="34" charset="-122"/>
-                <a:cs typeface="+mn-cs"/>
                 <a:sym typeface="+mn-ea"/>
               </a:rPr>
-              <a:t>的初始化和</a:t>
-            </a:r>
-            <a:r>
-              <a:rPr kumimoji="0" lang="zh-CN" altLang="en-US" sz="2400" kern="1200" cap="none" spc="0" normalizeH="0" baseline="0" noProof="1">
-                <a:latin typeface="微软雅黑" panose="020B0503020204020204" pitchFamily="34" charset="-122"/>
-                <a:ea typeface="微软雅黑" panose="020B0503020204020204" pitchFamily="34" charset="-122"/>
-                <a:cs typeface="+mn-cs"/>
-                <a:sym typeface="+mn-ea"/>
-              </a:rPr>
-              <a:t>切换</a:t>
-            </a:r>
-            <a:endParaRPr kumimoji="0" lang="zh-CN" altLang="en-US" sz="2400" kern="1200" cap="none" spc="0" normalizeH="0" baseline="0" noProof="1">
+              <a:t>）</a:t>
+            </a:r>
+            <a:endParaRPr lang="zh-CN" altLang="en-US" sz="2400">
               <a:latin typeface="微软雅黑" panose="020B0503020204020204" pitchFamily="34" charset="-122"/>
               <a:ea typeface="微软雅黑" panose="020B0503020204020204" pitchFamily="34" charset="-122"/>
-              <a:cs typeface="+mn-cs"/>
               <a:sym typeface="+mn-ea"/>
             </a:endParaRPr>
           </a:p>
@@ -17392,33 +17517,55 @@
               <a:defRPr/>
             </a:pPr>
             <a:r>
-              <a:rPr kumimoji="0" lang="en-US" altLang="zh-CN" sz="2400" kern="1200" cap="none" spc="0" normalizeH="0" baseline="0" noProof="1">
+              <a:rPr lang="en-US" sz="2400">
+                <a:latin typeface="微软雅黑" panose="020B0503020204020204" pitchFamily="34" charset="-122"/>
+                <a:ea typeface="微软雅黑" panose="020B0503020204020204" pitchFamily="34" charset="-122"/>
+                <a:sym typeface="+mn-ea"/>
+              </a:rPr>
+              <a:t>1013</a:t>
+            </a:r>
+            <a:r>
+              <a:rPr lang="en-US" altLang="zh-CN" sz="2400">
+                <a:latin typeface="微软雅黑" panose="020B0503020204020204" pitchFamily="34" charset="-122"/>
+                <a:ea typeface="微软雅黑" panose="020B0503020204020204" pitchFamily="34" charset="-122"/>
+                <a:sym typeface="+mn-ea"/>
+              </a:rPr>
+              <a:t>≡1 </a:t>
+            </a:r>
+            <a:r>
+              <a:rPr lang="zh-CN" altLang="en-US" sz="2400">
+                <a:latin typeface="微软雅黑" panose="020B0503020204020204" pitchFamily="34" charset="-122"/>
+                <a:ea typeface="微软雅黑" panose="020B0503020204020204" pitchFamily="34" charset="-122"/>
+                <a:sym typeface="+mn-ea"/>
+              </a:rPr>
+              <a:t>（</a:t>
+            </a:r>
+            <a:r>
+              <a:rPr lang="en-US" altLang="zh-CN" sz="2400">
+                <a:latin typeface="微软雅黑" panose="020B0503020204020204" pitchFamily="34" charset="-122"/>
+                <a:ea typeface="微软雅黑" panose="020B0503020204020204" pitchFamily="34" charset="-122"/>
+                <a:sym typeface="+mn-ea"/>
+              </a:rPr>
+              <a:t>mod 2</a:t>
+            </a:r>
+            <a:r>
+              <a:rPr lang="zh-CN" altLang="en-US" sz="2400">
+                <a:latin typeface="微软雅黑" panose="020B0503020204020204" pitchFamily="34" charset="-122"/>
+                <a:ea typeface="微软雅黑" panose="020B0503020204020204" pitchFamily="34" charset="-122"/>
+                <a:sym typeface="+mn-ea"/>
+              </a:rPr>
+              <a:t>）</a:t>
+            </a:r>
+            <a:r>
+              <a:rPr kumimoji="0" lang="en-US" sz="2400" kern="1200" cap="none" spc="0" normalizeH="0" baseline="0" noProof="1">
                 <a:latin typeface="微软雅黑" panose="020B0503020204020204" pitchFamily="34" charset="-122"/>
                 <a:ea typeface="微软雅黑" panose="020B0503020204020204" pitchFamily="34" charset="-122"/>
                 <a:cs typeface="+mn-cs"/>
                 <a:sym typeface="+mn-ea"/>
               </a:rPr>
-              <a:t>2.</a:t>
-            </a:r>
-            <a:r>
-              <a:rPr kumimoji="0" lang="zh-CN" altLang="en-US" sz="2400" kern="1200" cap="none" spc="0" normalizeH="0" baseline="0" noProof="1">
-                <a:latin typeface="微软雅黑" panose="020B0503020204020204" pitchFamily="34" charset="-122"/>
-                <a:ea typeface="微软雅黑" panose="020B0503020204020204" pitchFamily="34" charset="-122"/>
-                <a:cs typeface="+mn-cs"/>
-                <a:sym typeface="+mn-ea"/>
-              </a:rPr>
-              <a:t>浏览器开发工具单步调试要</a:t>
-            </a:r>
-            <a:r>
-              <a:rPr kumimoji="0" lang="zh-CN" altLang="en-US" sz="2400" kern="1200" cap="none" spc="0" normalizeH="0" baseline="0" noProof="1">
-                <a:latin typeface="微软雅黑" panose="020B0503020204020204" pitchFamily="34" charset="-122"/>
-                <a:ea typeface="微软雅黑" panose="020B0503020204020204" pitchFamily="34" charset="-122"/>
-                <a:cs typeface="+mn-cs"/>
-                <a:sym typeface="+mn-ea"/>
-              </a:rPr>
-              <a:t>掌握</a:t>
-            </a:r>
-            <a:endParaRPr kumimoji="0" lang="zh-CN" altLang="en-US" sz="2400" kern="1200" cap="none" spc="0" normalizeH="0" baseline="0" noProof="1">
+              <a:t> </a:t>
+            </a:r>
+            <a:endParaRPr kumimoji="0" lang="en-US" sz="2400" kern="1200" cap="none" spc="0" normalizeH="0" baseline="0" noProof="1">
               <a:latin typeface="微软雅黑" panose="020B0503020204020204" pitchFamily="34" charset="-122"/>
               <a:ea typeface="微软雅黑" panose="020B0503020204020204" pitchFamily="34" charset="-122"/>
               <a:cs typeface="+mn-cs"/>
@@ -17439,6 +17586,1041 @@
 </file>
 
 <file path=ppt/slides/slide4.xml><?xml version="1.0" encoding="utf-8"?>
+<p:sld xmlns:a="http://schemas.openxmlformats.org/drawingml/2006/main" xmlns:r="http://schemas.openxmlformats.org/officeDocument/2006/relationships" xmlns:p="http://schemas.openxmlformats.org/presentationml/2006/main">
+  <p:cSld>
+    <p:spTree>
+      <p:nvGrpSpPr>
+        <p:cNvPr id="1" name=""/>
+        <p:cNvGrpSpPr/>
+        <p:nvPr/>
+      </p:nvGrpSpPr>
+      <p:grpSpPr/>
+      <p:pic>
+        <p:nvPicPr>
+          <p:cNvPr id="11265" name="图片 5"/>
+          <p:cNvPicPr>
+            <a:picLocks noChangeAspect="1"/>
+          </p:cNvPicPr>
+          <p:nvPr/>
+        </p:nvPicPr>
+        <p:blipFill>
+          <a:blip r:embed="rId1"/>
+          <a:stretch>
+            <a:fillRect/>
+          </a:stretch>
+        </p:blipFill>
+        <p:spPr>
+          <a:xfrm>
+            <a:off x="209550" y="955675"/>
+            <a:ext cx="11769725" cy="5805488"/>
+          </a:xfrm>
+          <a:prstGeom prst="rect">
+            <a:avLst/>
+          </a:prstGeom>
+          <a:noFill/>
+          <a:ln w="9525">
+            <a:noFill/>
+          </a:ln>
+        </p:spPr>
+      </p:pic>
+      <p:sp>
+        <p:nvSpPr>
+          <p:cNvPr id="8" name="矩形 4"/>
+          <p:cNvSpPr/>
+          <p:nvPr>
+            <p:custDataLst>
+              <p:tags r:id="rId2"/>
+            </p:custDataLst>
+          </p:nvPr>
+        </p:nvSpPr>
+        <p:spPr>
+          <a:xfrm>
+            <a:off x="0" y="227013"/>
+            <a:ext cx="12192000" cy="685800"/>
+          </a:xfrm>
+          <a:prstGeom prst="rect">
+            <a:avLst/>
+          </a:prstGeom>
+          <a:solidFill>
+            <a:schemeClr val="bg2">
+              <a:lumMod val="20000"/>
+              <a:lumOff val="80000"/>
+            </a:schemeClr>
+          </a:solidFill>
+          <a:ln w="12700" cap="flat" cmpd="sng" algn="ctr">
+            <a:solidFill>
+              <a:schemeClr val="accent1">
+                <a:shade val="50000"/>
+                <a:alpha val="0"/>
+              </a:schemeClr>
+            </a:solidFill>
+            <a:prstDash val="solid"/>
+            <a:miter lim="800000"/>
+            <a:headEnd type="none" w="med" len="med"/>
+            <a:tailEnd type="none" w="med" len="med"/>
+          </a:ln>
+        </p:spPr>
+        <p:style>
+          <a:lnRef idx="2">
+            <a:schemeClr val="accent1">
+              <a:shade val="50000"/>
+            </a:schemeClr>
+          </a:lnRef>
+          <a:fillRef idx="1">
+            <a:schemeClr val="accent1"/>
+          </a:fillRef>
+          <a:effectRef idx="0">
+            <a:schemeClr val="accent1"/>
+          </a:effectRef>
+          <a:fontRef idx="minor">
+            <a:schemeClr val="lt1"/>
+          </a:fontRef>
+        </p:style>
+        <p:txBody>
+          <a:bodyPr anchor="ctr">
+            <a:normAutofit/>
+          </a:bodyPr>
+          <a:lstStyle/>
+          <a:p>
+            <a:pPr marL="0" marR="0" lvl="0" indent="0" algn="ctr" defTabSz="914400" rtl="0" eaLnBrk="1" fontAlgn="base" latinLnBrk="0" hangingPunct="1">
+              <a:lnSpc>
+                <a:spcPct val="100000"/>
+              </a:lnSpc>
+              <a:spcBef>
+                <a:spcPct val="0"/>
+              </a:spcBef>
+              <a:spcAft>
+                <a:spcPct val="0"/>
+              </a:spcAft>
+              <a:buClrTx/>
+              <a:buSzTx/>
+              <a:buFontTx/>
+              <a:buNone/>
+              <a:defRPr/>
+            </a:pPr>
+            <a:endParaRPr kumimoji="0" lang="zh-CN" altLang="en-US" sz="1350" b="0" i="0" u="none" strike="noStrike" kern="1200" cap="none" spc="0" normalizeH="0" baseline="0" noProof="1">
+              <a:ln>
+                <a:noFill/>
+              </a:ln>
+              <a:solidFill>
+                <a:schemeClr val="lt1"/>
+              </a:solidFill>
+              <a:effectLst/>
+              <a:uLnTx/>
+              <a:uFillTx/>
+              <a:latin typeface="+mn-lt"/>
+              <a:ea typeface="微软雅黑" panose="020B0503020204020204" pitchFamily="34" charset="-122"/>
+              <a:cs typeface="+mn-cs"/>
+            </a:endParaRPr>
+          </a:p>
+        </p:txBody>
+      </p:sp>
+      <p:sp>
+        <p:nvSpPr>
+          <p:cNvPr id="11267" name="文本框 1"/>
+          <p:cNvSpPr txBox="1"/>
+          <p:nvPr/>
+        </p:nvSpPr>
+        <p:spPr>
+          <a:xfrm>
+            <a:off x="1035050" y="250825"/>
+            <a:ext cx="3384550" cy="644525"/>
+          </a:xfrm>
+          <a:prstGeom prst="rect">
+            <a:avLst/>
+          </a:prstGeom>
+          <a:noFill/>
+          <a:ln w="9525">
+            <a:noFill/>
+          </a:ln>
+        </p:spPr>
+        <p:txBody>
+          <a:bodyPr wrap="none" anchor="t" anchorCtr="0">
+            <a:spAutoFit/>
+          </a:bodyPr>
+          <a:p>
+            <a:r>
+              <a:rPr lang="zh-CN" altLang="en-US" sz="3600" dirty="0">
+                <a:latin typeface="微软雅黑" panose="020B0503020204020204" pitchFamily="34" charset="-122"/>
+                <a:ea typeface="微软雅黑" panose="020B0503020204020204" pitchFamily="34" charset="-122"/>
+              </a:rPr>
+              <a:t>大数据与区块链</a:t>
+            </a:r>
+            <a:endParaRPr lang="zh-CN" altLang="en-US" sz="3600" dirty="0">
+              <a:latin typeface="微软雅黑" panose="020B0503020204020204" pitchFamily="34" charset="-122"/>
+              <a:ea typeface="微软雅黑" panose="020B0503020204020204" pitchFamily="34" charset="-122"/>
+            </a:endParaRPr>
+          </a:p>
+        </p:txBody>
+      </p:sp>
+      <p:sp>
+        <p:nvSpPr>
+          <p:cNvPr id="11268" name="矩形 2"/>
+          <p:cNvSpPr/>
+          <p:nvPr/>
+        </p:nvSpPr>
+        <p:spPr>
+          <a:xfrm>
+            <a:off x="0" y="327025"/>
+            <a:ext cx="485775" cy="485775"/>
+          </a:xfrm>
+          <a:prstGeom prst="rect">
+            <a:avLst/>
+          </a:prstGeom>
+          <a:solidFill>
+            <a:srgbClr val="1360AF"/>
+          </a:solidFill>
+          <a:ln w="9525">
+            <a:noFill/>
+          </a:ln>
+        </p:spPr>
+        <p:txBody>
+          <a:bodyPr anchor="ctr" anchorCtr="0"/>
+          <a:p>
+            <a:pPr algn="ctr"/>
+            <a:endParaRPr lang="zh-CN" altLang="en-US" b="1" dirty="0">
+              <a:solidFill>
+                <a:srgbClr val="FFFFFF"/>
+              </a:solidFill>
+              <a:latin typeface="Arial" panose="020B0604020202020204" pitchFamily="34" charset="0"/>
+              <a:ea typeface="微软雅黑" panose="020B0503020204020204" pitchFamily="34" charset="-122"/>
+              <a:sym typeface="Arial" panose="020B0604020202020204" pitchFamily="34" charset="0"/>
+            </a:endParaRPr>
+          </a:p>
+        </p:txBody>
+      </p:sp>
+      <p:sp>
+        <p:nvSpPr>
+          <p:cNvPr id="11269" name="矩形 3"/>
+          <p:cNvSpPr/>
+          <p:nvPr/>
+        </p:nvSpPr>
+        <p:spPr>
+          <a:xfrm>
+            <a:off x="539750" y="327025"/>
+            <a:ext cx="107950" cy="485775"/>
+          </a:xfrm>
+          <a:prstGeom prst="rect">
+            <a:avLst/>
+          </a:prstGeom>
+          <a:solidFill>
+            <a:srgbClr val="00B0F0"/>
+          </a:solidFill>
+          <a:ln w="9525">
+            <a:noFill/>
+          </a:ln>
+        </p:spPr>
+        <p:txBody>
+          <a:bodyPr anchor="ctr" anchorCtr="0"/>
+          <a:p>
+            <a:pPr algn="ctr"/>
+            <a:endParaRPr lang="zh-CN" altLang="en-US" b="1" dirty="0">
+              <a:solidFill>
+                <a:srgbClr val="FFFFFF"/>
+              </a:solidFill>
+              <a:latin typeface="Arial" panose="020B0604020202020204" pitchFamily="34" charset="0"/>
+              <a:ea typeface="微软雅黑" panose="020B0503020204020204" pitchFamily="34" charset="-122"/>
+              <a:sym typeface="Arial" panose="020B0604020202020204" pitchFamily="34" charset="0"/>
+            </a:endParaRPr>
+          </a:p>
+        </p:txBody>
+      </p:sp>
+      <p:sp>
+        <p:nvSpPr>
+          <p:cNvPr id="11270" name="矩形 3"/>
+          <p:cNvSpPr/>
+          <p:nvPr/>
+        </p:nvSpPr>
+        <p:spPr>
+          <a:xfrm>
+            <a:off x="692150" y="327025"/>
+            <a:ext cx="107950" cy="485775"/>
+          </a:xfrm>
+          <a:prstGeom prst="rect">
+            <a:avLst/>
+          </a:prstGeom>
+          <a:solidFill>
+            <a:srgbClr val="00B0F0"/>
+          </a:solidFill>
+          <a:ln w="9525">
+            <a:noFill/>
+          </a:ln>
+        </p:spPr>
+        <p:txBody>
+          <a:bodyPr anchor="ctr" anchorCtr="0"/>
+          <a:p>
+            <a:pPr algn="ctr"/>
+            <a:endParaRPr lang="zh-CN" altLang="en-US" b="1" dirty="0">
+              <a:solidFill>
+                <a:srgbClr val="FFFFFF"/>
+              </a:solidFill>
+              <a:latin typeface="Arial" panose="020B0604020202020204" pitchFamily="34" charset="0"/>
+              <a:ea typeface="微软雅黑" panose="020B0503020204020204" pitchFamily="34" charset="-122"/>
+              <a:sym typeface="Arial" panose="020B0604020202020204" pitchFamily="34" charset="0"/>
+            </a:endParaRPr>
+          </a:p>
+        </p:txBody>
+      </p:sp>
+      <p:sp>
+        <p:nvSpPr>
+          <p:cNvPr id="9" name="文本框 8"/>
+          <p:cNvSpPr txBox="1"/>
+          <p:nvPr/>
+        </p:nvSpPr>
+        <p:spPr>
+          <a:xfrm>
+            <a:off x="1487805" y="2204720"/>
+            <a:ext cx="7567930" cy="3415030"/>
+          </a:xfrm>
+          <a:prstGeom prst="rect">
+            <a:avLst/>
+          </a:prstGeom>
+          <a:noFill/>
+          <a:ln w="9525">
+            <a:noFill/>
+          </a:ln>
+        </p:spPr>
+        <p:txBody>
+          <a:bodyPr wrap="square">
+            <a:spAutoFit/>
+            <a:scene3d>
+              <a:camera prst="orthographicFront"/>
+              <a:lightRig rig="threePt" dir="t"/>
+            </a:scene3d>
+          </a:bodyPr>
+          <a:lstStyle/>
+          <a:p>
+            <a:pPr marR="0" defTabSz="914400">
+              <a:lnSpc>
+                <a:spcPct val="150000"/>
+              </a:lnSpc>
+              <a:buClrTx/>
+              <a:buSzTx/>
+              <a:buFontTx/>
+              <a:buNone/>
+              <a:defRPr/>
+            </a:pPr>
+            <a:r>
+              <a:rPr lang="zh-CN" altLang="en-US" sz="2400">
+                <a:latin typeface="微软雅黑" panose="020B0503020204020204" pitchFamily="34" charset="-122"/>
+                <a:ea typeface="微软雅黑" panose="020B0503020204020204" pitchFamily="34" charset="-122"/>
+                <a:sym typeface="+mn-ea"/>
+              </a:rPr>
+              <a:t>定义：</a:t>
+            </a:r>
+            <a:endParaRPr kumimoji="0" lang="zh-CN" altLang="en-US" sz="2400" kern="1200" cap="none" spc="0" normalizeH="0" baseline="0" noProof="1">
+              <a:latin typeface="微软雅黑" panose="020B0503020204020204" pitchFamily="34" charset="-122"/>
+              <a:ea typeface="微软雅黑" panose="020B0503020204020204" pitchFamily="34" charset="-122"/>
+              <a:cs typeface="+mn-cs"/>
+              <a:sym typeface="+mn-ea"/>
+            </a:endParaRPr>
+          </a:p>
+          <a:p>
+            <a:pPr marR="0" defTabSz="914400">
+              <a:lnSpc>
+                <a:spcPct val="150000"/>
+              </a:lnSpc>
+              <a:buClrTx/>
+              <a:buSzTx/>
+              <a:buFontTx/>
+              <a:buNone/>
+              <a:defRPr/>
+            </a:pPr>
+            <a:r>
+              <a:rPr lang="en-US" altLang="zh-CN" sz="2400">
+                <a:latin typeface="微软雅黑" panose="020B0503020204020204" pitchFamily="34" charset="-122"/>
+                <a:ea typeface="微软雅黑" panose="020B0503020204020204" pitchFamily="34" charset="-122"/>
+                <a:sym typeface="+mn-ea"/>
+              </a:rPr>
+              <a:t>a</a:t>
+            </a:r>
+            <a:r>
+              <a:rPr lang="zh-CN" altLang="en-US" sz="2400">
+                <a:latin typeface="微软雅黑" panose="020B0503020204020204" pitchFamily="34" charset="-122"/>
+                <a:ea typeface="微软雅黑" panose="020B0503020204020204" pitchFamily="34" charset="-122"/>
+                <a:sym typeface="+mn-ea"/>
+              </a:rPr>
+              <a:t>、</a:t>
+            </a:r>
+            <a:r>
+              <a:rPr lang="en-US" altLang="zh-CN" sz="2400">
+                <a:latin typeface="微软雅黑" panose="020B0503020204020204" pitchFamily="34" charset="-122"/>
+                <a:ea typeface="微软雅黑" panose="020B0503020204020204" pitchFamily="34" charset="-122"/>
+                <a:sym typeface="+mn-ea"/>
+              </a:rPr>
+              <a:t>b</a:t>
+            </a:r>
+            <a:r>
+              <a:rPr lang="zh-CN" altLang="en-US" sz="2400">
+                <a:latin typeface="微软雅黑" panose="020B0503020204020204" pitchFamily="34" charset="-122"/>
+                <a:ea typeface="微软雅黑" panose="020B0503020204020204" pitchFamily="34" charset="-122"/>
+                <a:sym typeface="+mn-ea"/>
+              </a:rPr>
+              <a:t>是整数，</a:t>
+            </a:r>
+            <a:r>
+              <a:rPr lang="en-US" altLang="zh-CN" sz="2400">
+                <a:latin typeface="微软雅黑" panose="020B0503020204020204" pitchFamily="34" charset="-122"/>
+                <a:ea typeface="微软雅黑" panose="020B0503020204020204" pitchFamily="34" charset="-122"/>
+                <a:sym typeface="+mn-ea"/>
+              </a:rPr>
+              <a:t>m</a:t>
+            </a:r>
+            <a:r>
+              <a:rPr lang="zh-CN" altLang="en-US" sz="2400">
+                <a:latin typeface="微软雅黑" panose="020B0503020204020204" pitchFamily="34" charset="-122"/>
+                <a:ea typeface="微软雅黑" panose="020B0503020204020204" pitchFamily="34" charset="-122"/>
+                <a:sym typeface="+mn-ea"/>
+              </a:rPr>
+              <a:t>是自然数，那么：</a:t>
+            </a:r>
+            <a:endParaRPr kumimoji="0" lang="zh-CN" altLang="en-US" sz="2400" kern="1200" cap="none" spc="0" normalizeH="0" baseline="0" noProof="1">
+              <a:latin typeface="微软雅黑" panose="020B0503020204020204" pitchFamily="34" charset="-122"/>
+              <a:ea typeface="微软雅黑" panose="020B0503020204020204" pitchFamily="34" charset="-122"/>
+              <a:cs typeface="+mn-cs"/>
+              <a:sym typeface="+mn-ea"/>
+            </a:endParaRPr>
+          </a:p>
+          <a:p>
+            <a:pPr marR="0" defTabSz="914400">
+              <a:lnSpc>
+                <a:spcPct val="150000"/>
+              </a:lnSpc>
+              <a:buClrTx/>
+              <a:buSzTx/>
+              <a:buFontTx/>
+              <a:buNone/>
+              <a:defRPr/>
+            </a:pPr>
+            <a:r>
+              <a:rPr lang="en-US" altLang="zh-CN" sz="2400">
+                <a:latin typeface="微软雅黑" panose="020B0503020204020204" pitchFamily="34" charset="-122"/>
+                <a:ea typeface="微软雅黑" panose="020B0503020204020204" pitchFamily="34" charset="-122"/>
+                <a:sym typeface="+mn-ea"/>
+              </a:rPr>
+              <a:t>	a≡b </a:t>
+            </a:r>
+            <a:r>
+              <a:rPr lang="zh-CN" altLang="en-US" sz="2400">
+                <a:latin typeface="微软雅黑" panose="020B0503020204020204" pitchFamily="34" charset="-122"/>
+                <a:ea typeface="微软雅黑" panose="020B0503020204020204" pitchFamily="34" charset="-122"/>
+                <a:sym typeface="+mn-ea"/>
+              </a:rPr>
+              <a:t>（</a:t>
+            </a:r>
+            <a:r>
+              <a:rPr lang="en-US" altLang="zh-CN" sz="2400">
+                <a:latin typeface="微软雅黑" panose="020B0503020204020204" pitchFamily="34" charset="-122"/>
+                <a:ea typeface="微软雅黑" panose="020B0503020204020204" pitchFamily="34" charset="-122"/>
+                <a:sym typeface="+mn-ea"/>
+              </a:rPr>
+              <a:t>mod m)</a:t>
+            </a:r>
+            <a:endParaRPr kumimoji="0" lang="en-US" altLang="zh-CN" sz="2400" kern="1200" cap="none" spc="0" normalizeH="0" baseline="0" noProof="1">
+              <a:latin typeface="微软雅黑" panose="020B0503020204020204" pitchFamily="34" charset="-122"/>
+              <a:ea typeface="微软雅黑" panose="020B0503020204020204" pitchFamily="34" charset="-122"/>
+              <a:cs typeface="+mn-cs"/>
+              <a:sym typeface="+mn-ea"/>
+            </a:endParaRPr>
+          </a:p>
+          <a:p>
+            <a:pPr marR="0" defTabSz="914400">
+              <a:lnSpc>
+                <a:spcPct val="150000"/>
+              </a:lnSpc>
+              <a:buClrTx/>
+              <a:buSzTx/>
+              <a:buFontTx/>
+              <a:buNone/>
+              <a:defRPr/>
+            </a:pPr>
+            <a:r>
+              <a:rPr lang="zh-CN" altLang="en-US" sz="2400">
+                <a:latin typeface="微软雅黑" panose="020B0503020204020204" pitchFamily="34" charset="-122"/>
+                <a:ea typeface="微软雅黑" panose="020B0503020204020204" pitchFamily="34" charset="-122"/>
+                <a:sym typeface="+mn-ea"/>
+              </a:rPr>
+              <a:t>当且仅当</a:t>
+            </a:r>
+            <a:r>
+              <a:rPr lang="en-US" altLang="zh-CN" sz="2400">
+                <a:latin typeface="微软雅黑" panose="020B0503020204020204" pitchFamily="34" charset="-122"/>
+                <a:ea typeface="微软雅黑" panose="020B0503020204020204" pitchFamily="34" charset="-122"/>
+                <a:sym typeface="+mn-ea"/>
+              </a:rPr>
+              <a:t>:</a:t>
+            </a:r>
+            <a:endParaRPr kumimoji="0" lang="en-US" altLang="zh-CN" sz="2400" kern="1200" cap="none" spc="0" normalizeH="0" baseline="0" noProof="1">
+              <a:latin typeface="微软雅黑" panose="020B0503020204020204" pitchFamily="34" charset="-122"/>
+              <a:ea typeface="微软雅黑" panose="020B0503020204020204" pitchFamily="34" charset="-122"/>
+              <a:cs typeface="+mn-cs"/>
+              <a:sym typeface="+mn-ea"/>
+            </a:endParaRPr>
+          </a:p>
+          <a:p>
+            <a:pPr marR="0" defTabSz="914400">
+              <a:lnSpc>
+                <a:spcPct val="150000"/>
+              </a:lnSpc>
+              <a:buClrTx/>
+              <a:buSzTx/>
+              <a:buFontTx/>
+              <a:buNone/>
+              <a:defRPr/>
+            </a:pPr>
+            <a:r>
+              <a:rPr lang="en-US" altLang="zh-CN" sz="2400">
+                <a:latin typeface="微软雅黑" panose="020B0503020204020204" pitchFamily="34" charset="-122"/>
+                <a:ea typeface="微软雅黑" panose="020B0503020204020204" pitchFamily="34" charset="-122"/>
+                <a:sym typeface="+mn-ea"/>
+              </a:rPr>
+              <a:t>	a</a:t>
+            </a:r>
+            <a:r>
+              <a:rPr lang="zh-CN" altLang="en-US" sz="2400">
+                <a:latin typeface="微软雅黑" panose="020B0503020204020204" pitchFamily="34" charset="-122"/>
+                <a:ea typeface="微软雅黑" panose="020B0503020204020204" pitchFamily="34" charset="-122"/>
+                <a:sym typeface="+mn-ea"/>
+              </a:rPr>
+              <a:t>和</a:t>
+            </a:r>
+            <a:r>
+              <a:rPr lang="en-US" altLang="zh-CN" sz="2400">
+                <a:latin typeface="微软雅黑" panose="020B0503020204020204" pitchFamily="34" charset="-122"/>
+                <a:ea typeface="微软雅黑" panose="020B0503020204020204" pitchFamily="34" charset="-122"/>
+                <a:sym typeface="+mn-ea"/>
+              </a:rPr>
+              <a:t>b</a:t>
+            </a:r>
+            <a:r>
+              <a:rPr lang="zh-CN" altLang="en-US" sz="2400">
+                <a:latin typeface="微软雅黑" panose="020B0503020204020204" pitchFamily="34" charset="-122"/>
+                <a:ea typeface="微软雅黑" panose="020B0503020204020204" pitchFamily="34" charset="-122"/>
+                <a:sym typeface="+mn-ea"/>
+              </a:rPr>
+              <a:t>被</a:t>
+            </a:r>
+            <a:r>
+              <a:rPr lang="en-US" altLang="zh-CN" sz="2400">
+                <a:latin typeface="微软雅黑" panose="020B0503020204020204" pitchFamily="34" charset="-122"/>
+                <a:ea typeface="微软雅黑" panose="020B0503020204020204" pitchFamily="34" charset="-122"/>
+                <a:sym typeface="+mn-ea"/>
+              </a:rPr>
+              <a:t>m</a:t>
+            </a:r>
+            <a:r>
+              <a:rPr lang="zh-CN" altLang="en-US" sz="2400">
+                <a:latin typeface="微软雅黑" panose="020B0503020204020204" pitchFamily="34" charset="-122"/>
+                <a:ea typeface="微软雅黑" panose="020B0503020204020204" pitchFamily="34" charset="-122"/>
+                <a:sym typeface="+mn-ea"/>
+              </a:rPr>
+              <a:t>除得到的余数相同</a:t>
+            </a:r>
+            <a:endParaRPr kumimoji="0" lang="en-US" altLang="zh-CN" sz="2400" kern="1200" cap="none" spc="0" normalizeH="0" baseline="0" noProof="1">
+              <a:latin typeface="微软雅黑" panose="020B0503020204020204" pitchFamily="34" charset="-122"/>
+              <a:ea typeface="微软雅黑" panose="020B0503020204020204" pitchFamily="34" charset="-122"/>
+              <a:cs typeface="+mn-cs"/>
+              <a:sym typeface="+mn-ea"/>
+            </a:endParaRPr>
+          </a:p>
+          <a:p>
+            <a:pPr marR="0" defTabSz="914400">
+              <a:lnSpc>
+                <a:spcPct val="150000"/>
+              </a:lnSpc>
+              <a:buClrTx/>
+              <a:buSzTx/>
+              <a:buFontTx/>
+              <a:buNone/>
+              <a:defRPr/>
+            </a:pPr>
+            <a:endParaRPr kumimoji="0" lang="en-US" sz="2400" kern="1200" cap="none" spc="0" normalizeH="0" baseline="0" noProof="1">
+              <a:latin typeface="微软雅黑" panose="020B0503020204020204" pitchFamily="34" charset="-122"/>
+              <a:ea typeface="微软雅黑" panose="020B0503020204020204" pitchFamily="34" charset="-122"/>
+              <a:cs typeface="+mn-cs"/>
+              <a:sym typeface="+mn-ea"/>
+            </a:endParaRPr>
+          </a:p>
+        </p:txBody>
+      </p:sp>
+    </p:spTree>
+  </p:cSld>
+  <p:clrMapOvr>
+    <a:masterClrMapping/>
+  </p:clrMapOvr>
+  <p:transition>
+    <p:randomBar dir="vert"/>
+  </p:transition>
+</p:sld>
+</file>
+
+<file path=ppt/slides/slide5.xml><?xml version="1.0" encoding="utf-8"?>
+<p:sld xmlns:a="http://schemas.openxmlformats.org/drawingml/2006/main" xmlns:r="http://schemas.openxmlformats.org/officeDocument/2006/relationships" xmlns:p="http://schemas.openxmlformats.org/presentationml/2006/main">
+  <p:cSld>
+    <p:spTree>
+      <p:nvGrpSpPr>
+        <p:cNvPr id="1" name=""/>
+        <p:cNvGrpSpPr/>
+        <p:nvPr/>
+      </p:nvGrpSpPr>
+      <p:grpSpPr/>
+      <p:pic>
+        <p:nvPicPr>
+          <p:cNvPr id="11265" name="图片 5"/>
+          <p:cNvPicPr>
+            <a:picLocks noChangeAspect="1"/>
+          </p:cNvPicPr>
+          <p:nvPr/>
+        </p:nvPicPr>
+        <p:blipFill>
+          <a:blip r:embed="rId1"/>
+          <a:stretch>
+            <a:fillRect/>
+          </a:stretch>
+        </p:blipFill>
+        <p:spPr>
+          <a:xfrm>
+            <a:off x="209550" y="955675"/>
+            <a:ext cx="11769725" cy="5805488"/>
+          </a:xfrm>
+          <a:prstGeom prst="rect">
+            <a:avLst/>
+          </a:prstGeom>
+          <a:noFill/>
+          <a:ln w="9525">
+            <a:noFill/>
+          </a:ln>
+        </p:spPr>
+      </p:pic>
+      <p:sp>
+        <p:nvSpPr>
+          <p:cNvPr id="8" name="矩形 4"/>
+          <p:cNvSpPr/>
+          <p:nvPr>
+            <p:custDataLst>
+              <p:tags r:id="rId2"/>
+            </p:custDataLst>
+          </p:nvPr>
+        </p:nvSpPr>
+        <p:spPr>
+          <a:xfrm>
+            <a:off x="0" y="227013"/>
+            <a:ext cx="12192000" cy="685800"/>
+          </a:xfrm>
+          <a:prstGeom prst="rect">
+            <a:avLst/>
+          </a:prstGeom>
+          <a:solidFill>
+            <a:schemeClr val="bg2">
+              <a:lumMod val="20000"/>
+              <a:lumOff val="80000"/>
+            </a:schemeClr>
+          </a:solidFill>
+          <a:ln w="12700" cap="flat" cmpd="sng" algn="ctr">
+            <a:solidFill>
+              <a:schemeClr val="accent1">
+                <a:shade val="50000"/>
+                <a:alpha val="0"/>
+              </a:schemeClr>
+            </a:solidFill>
+            <a:prstDash val="solid"/>
+            <a:miter lim="800000"/>
+            <a:headEnd type="none" w="med" len="med"/>
+            <a:tailEnd type="none" w="med" len="med"/>
+          </a:ln>
+        </p:spPr>
+        <p:style>
+          <a:lnRef idx="2">
+            <a:schemeClr val="accent1">
+              <a:shade val="50000"/>
+            </a:schemeClr>
+          </a:lnRef>
+          <a:fillRef idx="1">
+            <a:schemeClr val="accent1"/>
+          </a:fillRef>
+          <a:effectRef idx="0">
+            <a:schemeClr val="accent1"/>
+          </a:effectRef>
+          <a:fontRef idx="minor">
+            <a:schemeClr val="lt1"/>
+          </a:fontRef>
+        </p:style>
+        <p:txBody>
+          <a:bodyPr anchor="ctr">
+            <a:normAutofit/>
+          </a:bodyPr>
+          <a:lstStyle/>
+          <a:p>
+            <a:pPr marL="0" marR="0" lvl="0" indent="0" algn="ctr" defTabSz="914400" rtl="0" eaLnBrk="1" fontAlgn="base" latinLnBrk="0" hangingPunct="1">
+              <a:lnSpc>
+                <a:spcPct val="100000"/>
+              </a:lnSpc>
+              <a:spcBef>
+                <a:spcPct val="0"/>
+              </a:spcBef>
+              <a:spcAft>
+                <a:spcPct val="0"/>
+              </a:spcAft>
+              <a:buClrTx/>
+              <a:buSzTx/>
+              <a:buFontTx/>
+              <a:buNone/>
+              <a:defRPr/>
+            </a:pPr>
+            <a:endParaRPr kumimoji="0" lang="zh-CN" altLang="en-US" sz="1350" b="0" i="0" u="none" strike="noStrike" kern="1200" cap="none" spc="0" normalizeH="0" baseline="0" noProof="1">
+              <a:ln>
+                <a:noFill/>
+              </a:ln>
+              <a:solidFill>
+                <a:schemeClr val="lt1"/>
+              </a:solidFill>
+              <a:effectLst/>
+              <a:uLnTx/>
+              <a:uFillTx/>
+              <a:latin typeface="+mn-lt"/>
+              <a:ea typeface="微软雅黑" panose="020B0503020204020204" pitchFamily="34" charset="-122"/>
+              <a:cs typeface="+mn-cs"/>
+            </a:endParaRPr>
+          </a:p>
+        </p:txBody>
+      </p:sp>
+      <p:sp>
+        <p:nvSpPr>
+          <p:cNvPr id="11267" name="文本框 1"/>
+          <p:cNvSpPr txBox="1"/>
+          <p:nvPr/>
+        </p:nvSpPr>
+        <p:spPr>
+          <a:xfrm>
+            <a:off x="1035050" y="250825"/>
+            <a:ext cx="3384550" cy="644525"/>
+          </a:xfrm>
+          <a:prstGeom prst="rect">
+            <a:avLst/>
+          </a:prstGeom>
+          <a:noFill/>
+          <a:ln w="9525">
+            <a:noFill/>
+          </a:ln>
+        </p:spPr>
+        <p:txBody>
+          <a:bodyPr wrap="none" anchor="t" anchorCtr="0">
+            <a:spAutoFit/>
+          </a:bodyPr>
+          <a:p>
+            <a:r>
+              <a:rPr lang="zh-CN" altLang="en-US" sz="3600" dirty="0">
+                <a:latin typeface="微软雅黑" panose="020B0503020204020204" pitchFamily="34" charset="-122"/>
+                <a:ea typeface="微软雅黑" panose="020B0503020204020204" pitchFamily="34" charset="-122"/>
+              </a:rPr>
+              <a:t>大数据与区块链</a:t>
+            </a:r>
+            <a:endParaRPr lang="zh-CN" altLang="en-US" sz="3600" dirty="0">
+              <a:latin typeface="微软雅黑" panose="020B0503020204020204" pitchFamily="34" charset="-122"/>
+              <a:ea typeface="微软雅黑" panose="020B0503020204020204" pitchFamily="34" charset="-122"/>
+            </a:endParaRPr>
+          </a:p>
+        </p:txBody>
+      </p:sp>
+      <p:sp>
+        <p:nvSpPr>
+          <p:cNvPr id="11268" name="矩形 2"/>
+          <p:cNvSpPr/>
+          <p:nvPr/>
+        </p:nvSpPr>
+        <p:spPr>
+          <a:xfrm>
+            <a:off x="0" y="327025"/>
+            <a:ext cx="485775" cy="485775"/>
+          </a:xfrm>
+          <a:prstGeom prst="rect">
+            <a:avLst/>
+          </a:prstGeom>
+          <a:solidFill>
+            <a:srgbClr val="1360AF"/>
+          </a:solidFill>
+          <a:ln w="9525">
+            <a:noFill/>
+          </a:ln>
+        </p:spPr>
+        <p:txBody>
+          <a:bodyPr anchor="ctr" anchorCtr="0"/>
+          <a:p>
+            <a:pPr algn="ctr"/>
+            <a:endParaRPr lang="zh-CN" altLang="en-US" b="1" dirty="0">
+              <a:solidFill>
+                <a:srgbClr val="FFFFFF"/>
+              </a:solidFill>
+              <a:latin typeface="Arial" panose="020B0604020202020204" pitchFamily="34" charset="0"/>
+              <a:ea typeface="微软雅黑" panose="020B0503020204020204" pitchFamily="34" charset="-122"/>
+              <a:sym typeface="Arial" panose="020B0604020202020204" pitchFamily="34" charset="0"/>
+            </a:endParaRPr>
+          </a:p>
+        </p:txBody>
+      </p:sp>
+      <p:sp>
+        <p:nvSpPr>
+          <p:cNvPr id="11269" name="矩形 3"/>
+          <p:cNvSpPr/>
+          <p:nvPr/>
+        </p:nvSpPr>
+        <p:spPr>
+          <a:xfrm>
+            <a:off x="539750" y="327025"/>
+            <a:ext cx="107950" cy="485775"/>
+          </a:xfrm>
+          <a:prstGeom prst="rect">
+            <a:avLst/>
+          </a:prstGeom>
+          <a:solidFill>
+            <a:srgbClr val="00B0F0"/>
+          </a:solidFill>
+          <a:ln w="9525">
+            <a:noFill/>
+          </a:ln>
+        </p:spPr>
+        <p:txBody>
+          <a:bodyPr anchor="ctr" anchorCtr="0"/>
+          <a:p>
+            <a:pPr algn="ctr"/>
+            <a:endParaRPr lang="zh-CN" altLang="en-US" b="1" dirty="0">
+              <a:solidFill>
+                <a:srgbClr val="FFFFFF"/>
+              </a:solidFill>
+              <a:latin typeface="Arial" panose="020B0604020202020204" pitchFamily="34" charset="0"/>
+              <a:ea typeface="微软雅黑" panose="020B0503020204020204" pitchFamily="34" charset="-122"/>
+              <a:sym typeface="Arial" panose="020B0604020202020204" pitchFamily="34" charset="0"/>
+            </a:endParaRPr>
+          </a:p>
+        </p:txBody>
+      </p:sp>
+      <p:sp>
+        <p:nvSpPr>
+          <p:cNvPr id="11270" name="矩形 3"/>
+          <p:cNvSpPr/>
+          <p:nvPr/>
+        </p:nvSpPr>
+        <p:spPr>
+          <a:xfrm>
+            <a:off x="692150" y="327025"/>
+            <a:ext cx="107950" cy="485775"/>
+          </a:xfrm>
+          <a:prstGeom prst="rect">
+            <a:avLst/>
+          </a:prstGeom>
+          <a:solidFill>
+            <a:srgbClr val="00B0F0"/>
+          </a:solidFill>
+          <a:ln w="9525">
+            <a:noFill/>
+          </a:ln>
+        </p:spPr>
+        <p:txBody>
+          <a:bodyPr anchor="ctr" anchorCtr="0"/>
+          <a:p>
+            <a:pPr algn="ctr"/>
+            <a:endParaRPr lang="zh-CN" altLang="en-US" b="1" dirty="0">
+              <a:solidFill>
+                <a:srgbClr val="FFFFFF"/>
+              </a:solidFill>
+              <a:latin typeface="Arial" panose="020B0604020202020204" pitchFamily="34" charset="0"/>
+              <a:ea typeface="微软雅黑" panose="020B0503020204020204" pitchFamily="34" charset="-122"/>
+              <a:sym typeface="Arial" panose="020B0604020202020204" pitchFamily="34" charset="0"/>
+            </a:endParaRPr>
+          </a:p>
+        </p:txBody>
+      </p:sp>
+      <p:sp>
+        <p:nvSpPr>
+          <p:cNvPr id="9" name="文本框 8"/>
+          <p:cNvSpPr txBox="1"/>
+          <p:nvPr/>
+        </p:nvSpPr>
+        <p:spPr>
+          <a:xfrm>
+            <a:off x="1487805" y="2204720"/>
+            <a:ext cx="7567930" cy="2306955"/>
+          </a:xfrm>
+          <a:prstGeom prst="rect">
+            <a:avLst/>
+          </a:prstGeom>
+          <a:noFill/>
+          <a:ln w="9525">
+            <a:noFill/>
+          </a:ln>
+        </p:spPr>
+        <p:txBody>
+          <a:bodyPr wrap="square">
+            <a:spAutoFit/>
+            <a:scene3d>
+              <a:camera prst="orthographicFront"/>
+              <a:lightRig rig="threePt" dir="t"/>
+            </a:scene3d>
+          </a:bodyPr>
+          <a:lstStyle/>
+          <a:p>
+            <a:pPr marR="0" defTabSz="914400">
+              <a:lnSpc>
+                <a:spcPct val="150000"/>
+              </a:lnSpc>
+              <a:buClrTx/>
+              <a:buSzTx/>
+              <a:buFontTx/>
+              <a:buNone/>
+              <a:defRPr/>
+            </a:pPr>
+            <a:r>
+              <a:rPr lang="zh-CN" altLang="en-US" sz="2400">
+                <a:latin typeface="微软雅黑" panose="020B0503020204020204" pitchFamily="34" charset="-122"/>
+                <a:ea typeface="微软雅黑" panose="020B0503020204020204" pitchFamily="34" charset="-122"/>
+                <a:sym typeface="+mn-ea"/>
+              </a:rPr>
+              <a:t>性质：</a:t>
+            </a:r>
+            <a:r>
+              <a:rPr lang="en-US" altLang="zh-CN" sz="2400">
+                <a:latin typeface="微软雅黑" panose="020B0503020204020204" pitchFamily="34" charset="-122"/>
+                <a:ea typeface="微软雅黑" panose="020B0503020204020204" pitchFamily="34" charset="-122"/>
+                <a:sym typeface="+mn-ea"/>
+              </a:rPr>
+              <a:t>reflective symmetr</a:t>
+            </a:r>
+            <a:r>
+              <a:rPr lang="en-US" altLang="zh-CN" sz="2400">
+                <a:latin typeface="微软雅黑" panose="020B0503020204020204" pitchFamily="34" charset="-122"/>
+                <a:ea typeface="微软雅黑" panose="020B0503020204020204" pitchFamily="34" charset="-122"/>
+                <a:sym typeface="+mn-ea"/>
+              </a:rPr>
+              <a:t>ic transitive</a:t>
+            </a:r>
+            <a:endParaRPr kumimoji="0" lang="zh-CN" altLang="en-US" sz="2400" kern="1200" cap="none" spc="0" normalizeH="0" baseline="0" noProof="1">
+              <a:latin typeface="微软雅黑" panose="020B0503020204020204" pitchFamily="34" charset="-122"/>
+              <a:ea typeface="微软雅黑" panose="020B0503020204020204" pitchFamily="34" charset="-122"/>
+              <a:cs typeface="+mn-cs"/>
+              <a:sym typeface="+mn-ea"/>
+            </a:endParaRPr>
+          </a:p>
+          <a:p>
+            <a:pPr marR="0" defTabSz="914400">
+              <a:lnSpc>
+                <a:spcPct val="150000"/>
+              </a:lnSpc>
+              <a:buClrTx/>
+              <a:buSzTx/>
+              <a:buFontTx/>
+              <a:buNone/>
+              <a:defRPr/>
+            </a:pPr>
+            <a:r>
+              <a:rPr lang="en-US" sz="2400">
+                <a:latin typeface="微软雅黑" panose="020B0503020204020204" pitchFamily="34" charset="-122"/>
+                <a:ea typeface="微软雅黑" panose="020B0503020204020204" pitchFamily="34" charset="-122"/>
+                <a:sym typeface="+mn-ea"/>
+              </a:rPr>
+              <a:t>1. a</a:t>
+            </a:r>
+            <a:r>
+              <a:rPr lang="en-US" altLang="zh-CN" sz="2400">
+                <a:latin typeface="微软雅黑" panose="020B0503020204020204" pitchFamily="34" charset="-122"/>
+                <a:ea typeface="微软雅黑" panose="020B0503020204020204" pitchFamily="34" charset="-122"/>
+                <a:sym typeface="+mn-ea"/>
+              </a:rPr>
+              <a:t>≡a (mod m)</a:t>
+            </a:r>
+            <a:endParaRPr lang="en-US" altLang="zh-CN" sz="2400">
+              <a:latin typeface="微软雅黑" panose="020B0503020204020204" pitchFamily="34" charset="-122"/>
+              <a:ea typeface="微软雅黑" panose="020B0503020204020204" pitchFamily="34" charset="-122"/>
+              <a:sym typeface="+mn-ea"/>
+            </a:endParaRPr>
+          </a:p>
+          <a:p>
+            <a:pPr marR="0" defTabSz="914400">
+              <a:lnSpc>
+                <a:spcPct val="150000"/>
+              </a:lnSpc>
+              <a:buClrTx/>
+              <a:buSzTx/>
+              <a:buFontTx/>
+              <a:buNone/>
+              <a:defRPr/>
+            </a:pPr>
+            <a:r>
+              <a:rPr lang="en-US" altLang="zh-CN" sz="2400">
+                <a:latin typeface="微软雅黑" panose="020B0503020204020204" pitchFamily="34" charset="-122"/>
+                <a:ea typeface="微软雅黑" panose="020B0503020204020204" pitchFamily="34" charset="-122"/>
+                <a:sym typeface="+mn-ea"/>
+              </a:rPr>
+              <a:t>2. if a</a:t>
+            </a:r>
+            <a:r>
+              <a:rPr lang="en-US" altLang="zh-CN" sz="2400">
+                <a:latin typeface="微软雅黑" panose="020B0503020204020204" pitchFamily="34" charset="-122"/>
+                <a:ea typeface="微软雅黑" panose="020B0503020204020204" pitchFamily="34" charset="-122"/>
+                <a:sym typeface="+mn-ea"/>
+              </a:rPr>
+              <a:t>≡b (mod m) then b=a </a:t>
+            </a:r>
+            <a:r>
+              <a:rPr lang="zh-CN" altLang="en-US" sz="2400">
+                <a:latin typeface="微软雅黑" panose="020B0503020204020204" pitchFamily="34" charset="-122"/>
+                <a:ea typeface="微软雅黑" panose="020B0503020204020204" pitchFamily="34" charset="-122"/>
+                <a:sym typeface="+mn-ea"/>
+              </a:rPr>
+              <a:t>（</a:t>
+            </a:r>
+            <a:r>
+              <a:rPr lang="en-US" altLang="zh-CN" sz="2400">
+                <a:latin typeface="微软雅黑" panose="020B0503020204020204" pitchFamily="34" charset="-122"/>
+                <a:ea typeface="微软雅黑" panose="020B0503020204020204" pitchFamily="34" charset="-122"/>
+                <a:sym typeface="+mn-ea"/>
+              </a:rPr>
+              <a:t>mod m)</a:t>
+            </a:r>
+            <a:endParaRPr lang="en-US" altLang="zh-CN" sz="2400">
+              <a:latin typeface="微软雅黑" panose="020B0503020204020204" pitchFamily="34" charset="-122"/>
+              <a:ea typeface="微软雅黑" panose="020B0503020204020204" pitchFamily="34" charset="-122"/>
+              <a:sym typeface="+mn-ea"/>
+            </a:endParaRPr>
+          </a:p>
+          <a:p>
+            <a:pPr marR="0" defTabSz="914400">
+              <a:lnSpc>
+                <a:spcPct val="150000"/>
+              </a:lnSpc>
+              <a:buClrTx/>
+              <a:buSzTx/>
+              <a:buFontTx/>
+              <a:buNone/>
+              <a:defRPr/>
+            </a:pPr>
+            <a:r>
+              <a:rPr lang="en-US" altLang="zh-CN" sz="2400">
+                <a:latin typeface="微软雅黑" panose="020B0503020204020204" pitchFamily="34" charset="-122"/>
+                <a:ea typeface="微软雅黑" panose="020B0503020204020204" pitchFamily="34" charset="-122"/>
+                <a:sym typeface="+mn-ea"/>
+              </a:rPr>
+              <a:t>3. if a≡b b≡c (mod m) then a ≡ c (mod m)</a:t>
+            </a:r>
+            <a:endParaRPr lang="en-US" altLang="zh-CN" sz="2400">
+              <a:latin typeface="微软雅黑" panose="020B0503020204020204" pitchFamily="34" charset="-122"/>
+              <a:ea typeface="微软雅黑" panose="020B0503020204020204" pitchFamily="34" charset="-122"/>
+              <a:sym typeface="+mn-ea"/>
+            </a:endParaRPr>
+          </a:p>
+        </p:txBody>
+      </p:sp>
+    </p:spTree>
+  </p:cSld>
+  <p:clrMapOvr>
+    <a:masterClrMapping/>
+  </p:clrMapOvr>
+  <p:transition>
+    <p:randomBar dir="vert"/>
+  </p:transition>
+</p:sld>
+</file>
+
+<file path=ppt/slides/slide6.xml><?xml version="1.0" encoding="utf-8"?>
 <p:sld xmlns:a="http://schemas.openxmlformats.org/drawingml/2006/main" xmlns:r="http://schemas.openxmlformats.org/officeDocument/2006/relationships" xmlns:p="http://schemas.openxmlformats.org/presentationml/2006/main">
   <p:cSld>
     <p:spTree>
@@ -17749,6 +18931,46 @@
 </file>
 
 <file path=ppt/tags/tag3.xml><?xml version="1.0" encoding="utf-8"?>
+<p:tagLst xmlns:p="http://schemas.openxmlformats.org/presentationml/2006/main">
+  <p:tag name="KSO_WM_SLIDE_BACKGROUND_TYPE" val="navigation"/>
+  <p:tag name="KSO_WM_UNIT_HIGHLIGHT" val="0"/>
+  <p:tag name="KSO_WM_UNIT_COMPATIBLE" val="0"/>
+  <p:tag name="KSO_WM_UNIT_DIAGRAM_ISNUMVISUAL" val="0"/>
+  <p:tag name="KSO_WM_UNIT_DIAGRAM_ISREFERUNIT" val="0"/>
+  <p:tag name="KSO_WM_UNIT_SUBTYPE" val="h"/>
+  <p:tag name="KSO_WM_UNIT_TYPE" val="i"/>
+  <p:tag name="KSO_WM_UNIT_INDEX" val="1"/>
+  <p:tag name="KSO_WM_UNIT_ID" val="custom20204421_9*i*1"/>
+  <p:tag name="KSO_WM_TEMPLATE_CATEGORY" val="custom"/>
+  <p:tag name="KSO_WM_TEMPLATE_INDEX" val="20204421"/>
+  <p:tag name="KSO_WM_UNIT_BK_DARK_LIGHT" val="2"/>
+  <p:tag name="KSO_WM_UNIT_LAYERLEVEL" val="1"/>
+  <p:tag name="KSO_WM_TAG_VERSION" val="1.0"/>
+  <p:tag name="KSO_WM_BEAUTIFY_FLAG" val="#wm#"/>
+</p:tagLst>
+</file>
+
+<file path=ppt/tags/tag4.xml><?xml version="1.0" encoding="utf-8"?>
+<p:tagLst xmlns:p="http://schemas.openxmlformats.org/presentationml/2006/main">
+  <p:tag name="KSO_WM_SLIDE_BACKGROUND_TYPE" val="navigation"/>
+  <p:tag name="KSO_WM_UNIT_HIGHLIGHT" val="0"/>
+  <p:tag name="KSO_WM_UNIT_COMPATIBLE" val="0"/>
+  <p:tag name="KSO_WM_UNIT_DIAGRAM_ISNUMVISUAL" val="0"/>
+  <p:tag name="KSO_WM_UNIT_DIAGRAM_ISREFERUNIT" val="0"/>
+  <p:tag name="KSO_WM_UNIT_SUBTYPE" val="h"/>
+  <p:tag name="KSO_WM_UNIT_TYPE" val="i"/>
+  <p:tag name="KSO_WM_UNIT_INDEX" val="1"/>
+  <p:tag name="KSO_WM_UNIT_ID" val="custom20204421_9*i*1"/>
+  <p:tag name="KSO_WM_TEMPLATE_CATEGORY" val="custom"/>
+  <p:tag name="KSO_WM_TEMPLATE_INDEX" val="20204421"/>
+  <p:tag name="KSO_WM_UNIT_BK_DARK_LIGHT" val="2"/>
+  <p:tag name="KSO_WM_UNIT_LAYERLEVEL" val="1"/>
+  <p:tag name="KSO_WM_TAG_VERSION" val="1.0"/>
+  <p:tag name="KSO_WM_BEAUTIFY_FLAG" val="#wm#"/>
+</p:tagLst>
+</file>
+
+<file path=ppt/tags/tag5.xml><?xml version="1.0" encoding="utf-8"?>
 <p:tagLst xmlns:p="http://schemas.openxmlformats.org/presentationml/2006/main">
   <p:tag name="KSO_WM_SLIDE_BACKGROUND_TYPE" val="navigation"/>
   <p:tag name="KSO_WM_UNIT_HIGHLIGHT" val="0"/>
